--- a/figures/figures.pptx
+++ b/figures/figures.pptx
@@ -8,8 +8,9 @@
     <p:sldId id="341" r:id="rId2"/>
     <p:sldId id="342" r:id="rId3"/>
     <p:sldId id="339" r:id="rId4"/>
-    <p:sldId id="340" r:id="rId5"/>
-    <p:sldId id="325" r:id="rId6"/>
+    <p:sldId id="343" r:id="rId5"/>
+    <p:sldId id="340" r:id="rId6"/>
+    <p:sldId id="325" r:id="rId7"/>
   </p:sldIdLst>
   <p:sldSz cx="11041063" cy="7199313"/>
   <p:notesSz cx="9144000" cy="6858000"/>
@@ -116,6 +117,7 @@
             <p14:sldId id="341"/>
             <p14:sldId id="342"/>
             <p14:sldId id="339"/>
+            <p14:sldId id="343"/>
             <p14:sldId id="340"/>
             <p14:sldId id="325"/>
           </p14:sldIdLst>
@@ -8416,7 +8418,7 @@
         </p:nvSpPr>
         <p:spPr>
           <a:xfrm>
-            <a:off x="6907864" y="628653"/>
+            <a:off x="5515521" y="0"/>
             <a:ext cx="2377328" cy="4512307"/>
           </a:xfrm>
           <a:prstGeom prst="rect">
@@ -8483,7 +8485,7 @@
         </p:nvSpPr>
         <p:spPr>
           <a:xfrm>
-            <a:off x="7332794" y="2948501"/>
+            <a:off x="5940451" y="2319848"/>
             <a:ext cx="1545948" cy="518130"/>
           </a:xfrm>
           <a:prstGeom prst="roundRect">
@@ -8555,7 +8557,7 @@
         </p:nvSpPr>
         <p:spPr>
           <a:xfrm>
-            <a:off x="7329807" y="1562938"/>
+            <a:off x="5937464" y="934285"/>
             <a:ext cx="1545948" cy="518129"/>
           </a:xfrm>
           <a:prstGeom prst="roundRect">
@@ -8631,7 +8633,7 @@
         </p:nvCxnSpPr>
         <p:spPr>
           <a:xfrm flipH="1">
-            <a:off x="8102785" y="1390369"/>
+            <a:off x="6710442" y="761716"/>
             <a:ext cx="1" cy="172569"/>
           </a:xfrm>
           <a:prstGeom prst="straightConnector1">
@@ -8676,7 +8678,7 @@
         </p:nvSpPr>
         <p:spPr>
           <a:xfrm>
-            <a:off x="7301324" y="837020"/>
+            <a:off x="5908981" y="208367"/>
             <a:ext cx="1602923" cy="553346"/>
           </a:xfrm>
           <a:prstGeom prst="ellipse">
@@ -8746,7 +8748,7 @@
         </p:nvSpPr>
         <p:spPr>
           <a:xfrm>
-            <a:off x="7329809" y="2257808"/>
+            <a:off x="5937466" y="1629155"/>
             <a:ext cx="1545948" cy="518129"/>
           </a:xfrm>
           <a:prstGeom prst="roundRect">
@@ -8822,7 +8824,7 @@
         </p:nvCxnSpPr>
         <p:spPr>
           <a:xfrm>
-            <a:off x="8102785" y="2081064"/>
+            <a:off x="6710442" y="1452411"/>
             <a:ext cx="1" cy="176742"/>
           </a:xfrm>
           <a:prstGeom prst="straightConnector1">
@@ -8871,7 +8873,7 @@
         </p:nvCxnSpPr>
         <p:spPr>
           <a:xfrm>
-            <a:off x="8102782" y="2775933"/>
+            <a:off x="6710439" y="2147280"/>
             <a:ext cx="2986" cy="172568"/>
           </a:xfrm>
           <a:prstGeom prst="straightConnector1">
@@ -8916,7 +8918,7 @@
         </p:nvSpPr>
         <p:spPr>
           <a:xfrm>
-            <a:off x="6982038" y="4328975"/>
+            <a:off x="5589695" y="3700322"/>
             <a:ext cx="2247465" cy="516591"/>
           </a:xfrm>
           <a:prstGeom prst="ellipse">
@@ -8986,7 +8988,7 @@
         </p:nvSpPr>
         <p:spPr>
           <a:xfrm>
-            <a:off x="7332794" y="3639202"/>
+            <a:off x="5940451" y="3010549"/>
             <a:ext cx="1545948" cy="518129"/>
           </a:xfrm>
           <a:prstGeom prst="roundRect">
@@ -9062,7 +9064,7 @@
         </p:nvCxnSpPr>
         <p:spPr>
           <a:xfrm>
-            <a:off x="8105768" y="4157331"/>
+            <a:off x="6713425" y="3528678"/>
             <a:ext cx="0" cy="171645"/>
           </a:xfrm>
           <a:prstGeom prst="straightConnector1">
@@ -9111,7 +9113,7 @@
         </p:nvCxnSpPr>
         <p:spPr>
           <a:xfrm>
-            <a:off x="8105768" y="3466635"/>
+            <a:off x="6713425" y="2837982"/>
             <a:ext cx="0" cy="172567"/>
           </a:xfrm>
           <a:prstGeom prst="straightConnector1">
@@ -9144,10 +9146,10 @@
       </p:cxnSp>
       <p:grpSp>
         <p:nvGrpSpPr>
-          <p:cNvPr id="33" name="Group 32">
+          <p:cNvPr id="3" name="Group 2">
             <a:extLst>
               <a:ext uri="{FF2B5EF4-FFF2-40B4-BE49-F238E27FC236}">
-                <a16:creationId xmlns:a16="http://schemas.microsoft.com/office/drawing/2014/main" id="{DB47E78F-C797-05CF-34ED-823FDB871D98}"/>
+                <a16:creationId xmlns:a16="http://schemas.microsoft.com/office/drawing/2014/main" id="{45F4ED40-B755-E51D-A2EC-6D2049B6EB57}"/>
               </a:ext>
             </a:extLst>
           </p:cNvPr>
@@ -9156,14 +9158,11 @@
         </p:nvGrpSpPr>
         <p:grpSpPr>
           <a:xfrm>
-            <a:off x="0" y="0"/>
-            <a:ext cx="5043511" cy="6753329"/>
-            <a:chOff x="0" y="0"/>
-            <a:chExt cx="5043511" cy="6753329"/>
+            <a:off x="77638" y="87918"/>
+            <a:ext cx="5043511" cy="5515141"/>
+            <a:chOff x="77638" y="87918"/>
+            <a:chExt cx="5043511" cy="5515141"/>
           </a:xfrm>
-          <a:solidFill>
-            <a:schemeClr val="tx1"/>
-          </a:solidFill>
         </p:grpSpPr>
         <p:sp>
           <p:nvSpPr>
@@ -9179,13 +9178,15 @@
           </p:nvSpPr>
           <p:spPr>
             <a:xfrm>
-              <a:off x="0" y="0"/>
-              <a:ext cx="5043511" cy="6753329"/>
+              <a:off x="77638" y="87918"/>
+              <a:ext cx="5043511" cy="5515141"/>
             </a:xfrm>
             <a:prstGeom prst="rect">
               <a:avLst/>
             </a:prstGeom>
-            <a:grpFill/>
+            <a:solidFill>
+              <a:schemeClr val="tx1"/>
+            </a:solidFill>
             <a:ln w="19050">
               <a:noFill/>
             </a:ln>
@@ -9242,15 +9243,17 @@
           </p:nvSpPr>
           <p:spPr>
             <a:xfrm>
-              <a:off x="155030" y="1589077"/>
-              <a:ext cx="4756034" cy="2184298"/>
+              <a:off x="232668" y="1119275"/>
+              <a:ext cx="4756034" cy="2096536"/>
             </a:xfrm>
             <a:prstGeom prst="roundRect">
               <a:avLst>
-                <a:gd name="adj" fmla="val 0"/>
+                <a:gd name="adj" fmla="val 16667"/>
               </a:avLst>
             </a:prstGeom>
-            <a:grpFill/>
+            <a:solidFill>
+              <a:schemeClr val="bg2"/>
+            </a:solidFill>
             <a:ln w="19050">
               <a:solidFill>
                 <a:schemeClr val="bg2"/>
@@ -9277,7 +9280,7 @@
             <a:bodyPr rtlCol="0" anchor="ctr"/>
             <a:lstStyle/>
             <a:p>
-              <a:pPr algn="ctr" defTabSz="1051718" fontAlgn="base">
+              <a:pPr defTabSz="1051718" fontAlgn="base">
                 <a:spcBef>
                   <a:spcPct val="0"/>
                 </a:spcBef>
@@ -9288,12 +9291,12 @@
               <a:r>
                 <a:rPr lang="en-AU" sz="1150" b="1" dirty="0">
                   <a:solidFill>
-                    <a:srgbClr val="2D2015"/>
+                    <a:schemeClr val="tx1"/>
                   </a:solidFill>
                   <a:latin typeface="Arial"/>
                   <a:cs typeface="Arial"/>
                 </a:rPr>
-                <a:t>Box-counting at different scales</a:t>
+                <a:t>(b)</a:t>
               </a:r>
             </a:p>
             <a:p>
@@ -9307,7 +9310,7 @@
               </a:pPr>
               <a:endParaRPr lang="en-AU" sz="1150" b="1" dirty="0">
                 <a:solidFill>
-                  <a:srgbClr val="2D2015"/>
+                  <a:schemeClr val="tx1"/>
                 </a:solidFill>
                 <a:latin typeface="Arial"/>
                 <a:cs typeface="Arial"/>
@@ -9324,7 +9327,7 @@
               </a:pPr>
               <a:endParaRPr lang="en-AU" sz="1150" b="1" dirty="0">
                 <a:solidFill>
-                  <a:srgbClr val="2D2015"/>
+                  <a:schemeClr val="tx1"/>
                 </a:solidFill>
                 <a:latin typeface="Arial"/>
                 <a:cs typeface="Arial"/>
@@ -9341,7 +9344,7 @@
               </a:pPr>
               <a:endParaRPr lang="en-AU" sz="1150" b="1" dirty="0">
                 <a:solidFill>
-                  <a:srgbClr val="2D2015"/>
+                  <a:schemeClr val="tx1"/>
                 </a:solidFill>
                 <a:latin typeface="Arial"/>
                 <a:cs typeface="Arial"/>
@@ -9358,7 +9361,7 @@
               </a:pPr>
               <a:endParaRPr lang="en-AU" sz="1150" b="1" dirty="0">
                 <a:solidFill>
-                  <a:srgbClr val="2D2015"/>
+                  <a:schemeClr val="tx1"/>
                 </a:solidFill>
                 <a:latin typeface="Arial"/>
                 <a:cs typeface="Arial"/>
@@ -9375,7 +9378,7 @@
               </a:pPr>
               <a:endParaRPr lang="en-AU" sz="1150" b="1" dirty="0">
                 <a:solidFill>
-                  <a:srgbClr val="2D2015"/>
+                  <a:schemeClr val="tx1"/>
                 </a:solidFill>
                 <a:latin typeface="Arial"/>
                 <a:cs typeface="Arial"/>
@@ -9392,7 +9395,7 @@
               </a:pPr>
               <a:endParaRPr lang="en-AU" sz="1150" b="1" dirty="0">
                 <a:solidFill>
-                  <a:srgbClr val="2D2015"/>
+                  <a:schemeClr val="tx1"/>
                 </a:solidFill>
                 <a:latin typeface="Arial"/>
                 <a:cs typeface="Arial"/>
@@ -9409,7 +9412,7 @@
               </a:pPr>
               <a:endParaRPr lang="en-AU" sz="1150" b="1" dirty="0">
                 <a:solidFill>
-                  <a:srgbClr val="2D2015"/>
+                  <a:schemeClr val="tx1"/>
                 </a:solidFill>
                 <a:latin typeface="Arial"/>
                 <a:cs typeface="Arial"/>
@@ -9426,7 +9429,7 @@
               </a:pPr>
               <a:endParaRPr lang="en-AU" sz="1150" b="1" dirty="0">
                 <a:solidFill>
-                  <a:srgbClr val="2D2015"/>
+                  <a:schemeClr val="tx1"/>
                 </a:solidFill>
                 <a:latin typeface="Arial"/>
                 <a:cs typeface="Arial"/>
@@ -9443,7 +9446,7 @@
               </a:pPr>
               <a:endParaRPr lang="en-AU" sz="1150" b="1" dirty="0">
                 <a:solidFill>
-                  <a:srgbClr val="2D2015"/>
+                  <a:schemeClr val="tx1"/>
                 </a:solidFill>
                 <a:latin typeface="Arial"/>
                 <a:cs typeface="Arial"/>
@@ -9460,24 +9463,7 @@
               </a:pPr>
               <a:endParaRPr lang="en-AU" sz="1150" b="1" dirty="0">
                 <a:solidFill>
-                  <a:srgbClr val="2D2015"/>
-                </a:solidFill>
-                <a:latin typeface="Arial"/>
-                <a:cs typeface="Arial"/>
-              </a:endParaRPr>
-            </a:p>
-            <a:p>
-              <a:pPr algn="ctr" defTabSz="1051718" fontAlgn="base">
-                <a:spcBef>
-                  <a:spcPct val="0"/>
-                </a:spcBef>
-                <a:spcAft>
-                  <a:spcPct val="0"/>
-                </a:spcAft>
-              </a:pPr>
-              <a:endParaRPr lang="en-AU" sz="1150" b="1" dirty="0">
-                <a:solidFill>
-                  <a:srgbClr val="2D2015"/>
+                  <a:schemeClr val="tx1"/>
                 </a:solidFill>
                 <a:latin typeface="Arial"/>
                 <a:cs typeface="Arial"/>
@@ -9485,235 +9471,231 @@
             </a:p>
           </p:txBody>
         </p:sp>
-        <p:sp>
-          <p:nvSpPr>
-            <p:cNvPr id="21" name="Rectangle: Rounded Corners 20">
+        <p:grpSp>
+          <p:nvGrpSpPr>
+            <p:cNvPr id="38" name="Group 37">
               <a:extLst>
                 <a:ext uri="{FF2B5EF4-FFF2-40B4-BE49-F238E27FC236}">
-                  <a16:creationId xmlns:a16="http://schemas.microsoft.com/office/drawing/2014/main" id="{5BA331B7-E0A5-82C0-6394-DCBF71A0A7FB}"/>
+                  <a16:creationId xmlns:a16="http://schemas.microsoft.com/office/drawing/2014/main" id="{B27F96AD-1EE6-07D3-ADE2-AC4347DA80CE}"/>
                 </a:ext>
               </a:extLst>
             </p:cNvPr>
-            <p:cNvSpPr/>
+            <p:cNvGrpSpPr/>
             <p:nvPr/>
-          </p:nvSpPr>
-          <p:spPr>
+          </p:nvGrpSpPr>
+          <p:grpSpPr>
             <a:xfrm>
-              <a:off x="1734571" y="120143"/>
-              <a:ext cx="1590804" cy="1146235"/>
+              <a:off x="232668" y="126877"/>
+              <a:ext cx="4756034" cy="911121"/>
+              <a:chOff x="155030" y="120143"/>
+              <a:chExt cx="4756034" cy="911121"/>
             </a:xfrm>
-            <a:prstGeom prst="roundRect">
-              <a:avLst>
-                <a:gd name="adj" fmla="val 0"/>
-              </a:avLst>
-            </a:prstGeom>
-            <a:grpFill/>
-            <a:ln w="19050">
-              <a:solidFill>
-                <a:schemeClr val="bg2"/>
-              </a:solidFill>
-            </a:ln>
-          </p:spPr>
-          <p:style>
-            <a:lnRef idx="2">
-              <a:schemeClr val="accent1">
-                <a:shade val="50000"/>
+            <a:solidFill>
+              <a:schemeClr val="tx1">
+                <a:lumMod val="95000"/>
               </a:schemeClr>
-            </a:lnRef>
-            <a:fillRef idx="1">
-              <a:schemeClr val="accent1"/>
-            </a:fillRef>
-            <a:effectRef idx="0">
-              <a:schemeClr val="accent1"/>
-            </a:effectRef>
-            <a:fontRef idx="minor">
-              <a:schemeClr val="lt1"/>
-            </a:fontRef>
-          </p:style>
-          <p:txBody>
-            <a:bodyPr rtlCol="0" anchor="ctr"/>
-            <a:lstStyle/>
-            <a:p>
-              <a:pPr algn="ctr" defTabSz="1051718" fontAlgn="base">
-                <a:spcBef>
-                  <a:spcPct val="0"/>
-                </a:spcBef>
-                <a:spcAft>
-                  <a:spcPct val="0"/>
-                </a:spcAft>
-              </a:pPr>
-              <a:r>
-                <a:rPr lang="en-AU" sz="1150" b="1" dirty="0">
+            </a:solidFill>
+          </p:grpSpPr>
+          <p:sp>
+            <p:nvSpPr>
+              <p:cNvPr id="21" name="Rectangle: Rounded Corners 20">
+                <a:extLst>
+                  <a:ext uri="{FF2B5EF4-FFF2-40B4-BE49-F238E27FC236}">
+                    <a16:creationId xmlns:a16="http://schemas.microsoft.com/office/drawing/2014/main" id="{5BA331B7-E0A5-82C0-6394-DCBF71A0A7FB}"/>
+                  </a:ext>
+                </a:extLst>
+              </p:cNvPr>
+              <p:cNvSpPr/>
+              <p:nvPr/>
+            </p:nvSpPr>
+            <p:spPr>
+              <a:xfrm>
+                <a:off x="155030" y="120143"/>
+                <a:ext cx="4756034" cy="911121"/>
+              </a:xfrm>
+              <a:prstGeom prst="roundRect">
+                <a:avLst>
+                  <a:gd name="adj" fmla="val 29071"/>
+                </a:avLst>
+              </a:prstGeom>
+              <a:grpFill/>
+              <a:ln w="19050">
+                <a:solidFill>
+                  <a:schemeClr val="bg2"/>
+                </a:solidFill>
+              </a:ln>
+            </p:spPr>
+            <p:style>
+              <a:lnRef idx="2">
+                <a:schemeClr val="accent1">
+                  <a:shade val="50000"/>
+                </a:schemeClr>
+              </a:lnRef>
+              <a:fillRef idx="1">
+                <a:schemeClr val="accent1"/>
+              </a:fillRef>
+              <a:effectRef idx="0">
+                <a:schemeClr val="accent1"/>
+              </a:effectRef>
+              <a:fontRef idx="minor">
+                <a:schemeClr val="lt1"/>
+              </a:fontRef>
+            </p:style>
+            <p:txBody>
+              <a:bodyPr rtlCol="0" anchor="ctr"/>
+              <a:lstStyle/>
+              <a:p>
+                <a:pPr defTabSz="1051718" fontAlgn="base">
+                  <a:spcBef>
+                    <a:spcPct val="0"/>
+                  </a:spcBef>
+                  <a:spcAft>
+                    <a:spcPct val="0"/>
+                  </a:spcAft>
+                </a:pPr>
+                <a:endParaRPr lang="en-AU" sz="1150" b="1" dirty="0">
                   <a:solidFill>
                     <a:srgbClr val="2D2015"/>
                   </a:solidFill>
                   <a:latin typeface="Arial"/>
                   <a:cs typeface="Arial"/>
-                </a:rPr>
-                <a:t>Parse coordinates</a:t>
-              </a:r>
-            </a:p>
-            <a:p>
-              <a:pPr algn="ctr" defTabSz="1051718" fontAlgn="base">
-                <a:spcBef>
-                  <a:spcPct val="0"/>
-                </a:spcBef>
-                <a:spcAft>
-                  <a:spcPct val="0"/>
-                </a:spcAft>
-              </a:pPr>
-              <a:endParaRPr lang="en-AU" sz="1150" b="1" dirty="0">
-                <a:solidFill>
-                  <a:srgbClr val="2D2015"/>
-                </a:solidFill>
-                <a:latin typeface="Arial"/>
-                <a:cs typeface="Arial"/>
-              </a:endParaRPr>
-            </a:p>
-            <a:p>
-              <a:pPr algn="ctr" defTabSz="1051718" fontAlgn="base">
-                <a:spcBef>
-                  <a:spcPct val="0"/>
-                </a:spcBef>
-                <a:spcAft>
-                  <a:spcPct val="0"/>
-                </a:spcAft>
-              </a:pPr>
-              <a:endParaRPr lang="en-AU" sz="1150" b="1" dirty="0">
-                <a:solidFill>
-                  <a:srgbClr val="2D2015"/>
-                </a:solidFill>
-                <a:latin typeface="Arial"/>
-                <a:cs typeface="Arial"/>
-              </a:endParaRPr>
-            </a:p>
-            <a:p>
-              <a:pPr algn="ctr" defTabSz="1051718" fontAlgn="base">
-                <a:spcBef>
-                  <a:spcPct val="0"/>
-                </a:spcBef>
-                <a:spcAft>
-                  <a:spcPct val="0"/>
-                </a:spcAft>
-              </a:pPr>
-              <a:endParaRPr lang="en-AU" sz="1150" b="1" dirty="0">
-                <a:solidFill>
-                  <a:srgbClr val="2D2015"/>
-                </a:solidFill>
-                <a:latin typeface="Arial"/>
-                <a:cs typeface="Arial"/>
-              </a:endParaRPr>
-            </a:p>
-            <a:p>
-              <a:pPr algn="ctr" defTabSz="1051718" fontAlgn="base">
-                <a:spcBef>
-                  <a:spcPct val="0"/>
-                </a:spcBef>
-                <a:spcAft>
-                  <a:spcPct val="0"/>
-                </a:spcAft>
-              </a:pPr>
-              <a:endParaRPr lang="en-AU" sz="1150" b="1" dirty="0">
-                <a:solidFill>
-                  <a:srgbClr val="2D2015"/>
-                </a:solidFill>
-                <a:latin typeface="Arial"/>
-                <a:cs typeface="Arial"/>
-              </a:endParaRPr>
-            </a:p>
-            <a:p>
-              <a:pPr algn="ctr" defTabSz="1051718" fontAlgn="base">
-                <a:spcBef>
-                  <a:spcPct val="0"/>
-                </a:spcBef>
-                <a:spcAft>
-                  <a:spcPct val="0"/>
-                </a:spcAft>
-              </a:pPr>
-              <a:endParaRPr lang="en-AU" sz="1150" b="1" dirty="0">
-                <a:solidFill>
-                  <a:srgbClr val="2D2015"/>
-                </a:solidFill>
-                <a:latin typeface="Arial"/>
-                <a:cs typeface="Arial"/>
-              </a:endParaRPr>
-            </a:p>
-          </p:txBody>
-        </p:sp>
-        <p:pic>
-          <p:nvPicPr>
-            <p:cNvPr id="128" name="Picture 127">
-              <a:extLst>
-                <a:ext uri="{FF2B5EF4-FFF2-40B4-BE49-F238E27FC236}">
-                  <a16:creationId xmlns:a16="http://schemas.microsoft.com/office/drawing/2014/main" id="{9EE5B2F7-BF1E-9AA1-6C2D-8A5A5330F9BE}"/>
-                </a:ext>
-              </a:extLst>
-            </p:cNvPr>
-            <p:cNvPicPr>
-              <a:picLocks noChangeAspect="1"/>
-            </p:cNvPicPr>
-            <p:nvPr/>
-          </p:nvPicPr>
-          <p:blipFill>
-            <a:blip r:embed="rId2">
-              <a:extLst>
-                <a:ext uri="{28A0092B-C50C-407E-A947-70E740481C1C}">
-                  <a14:useLocalDpi xmlns:a14="http://schemas.microsoft.com/office/drawing/2010/main" val="0"/>
-                </a:ext>
-              </a:extLst>
-            </a:blip>
-            <a:stretch>
-              <a:fillRect/>
-            </a:stretch>
-          </p:blipFill>
-          <p:spPr>
-            <a:xfrm>
-              <a:off x="2201096" y="416047"/>
-              <a:ext cx="649376" cy="756752"/>
-            </a:xfrm>
-            <a:prstGeom prst="rect">
-              <a:avLst/>
-            </a:prstGeom>
-            <a:grpFill/>
-          </p:spPr>
-        </p:pic>
-        <p:pic>
-          <p:nvPicPr>
-            <p:cNvPr id="10" name="Picture 9">
-              <a:extLst>
-                <a:ext uri="{FF2B5EF4-FFF2-40B4-BE49-F238E27FC236}">
-                  <a16:creationId xmlns:a16="http://schemas.microsoft.com/office/drawing/2014/main" id="{77302A85-D410-45AF-C4FA-9E3446699C10}"/>
-                </a:ext>
-              </a:extLst>
-            </p:cNvPr>
-            <p:cNvPicPr>
-              <a:picLocks noChangeAspect="1"/>
-            </p:cNvPicPr>
-            <p:nvPr/>
-          </p:nvPicPr>
-          <p:blipFill>
-            <a:blip r:embed="rId3">
-              <a:extLst>
-                <a:ext uri="{28A0092B-C50C-407E-A947-70E740481C1C}">
-                  <a14:useLocalDpi xmlns:a14="http://schemas.microsoft.com/office/drawing/2010/main" val="0"/>
-                </a:ext>
-              </a:extLst>
-            </a:blip>
-            <a:stretch>
-              <a:fillRect/>
-            </a:stretch>
-          </p:blipFill>
-          <p:spPr>
-            <a:xfrm>
-              <a:off x="801462" y="4406736"/>
-              <a:ext cx="3105918" cy="2191516"/>
-            </a:xfrm>
-            <a:prstGeom prst="rect">
-              <a:avLst/>
-            </a:prstGeom>
-            <a:grpFill/>
-          </p:spPr>
-        </p:pic>
+                </a:endParaRPr>
+              </a:p>
+              <a:p>
+                <a:pPr defTabSz="1051718" fontAlgn="base">
+                  <a:spcBef>
+                    <a:spcPct val="0"/>
+                  </a:spcBef>
+                  <a:spcAft>
+                    <a:spcPct val="0"/>
+                  </a:spcAft>
+                </a:pPr>
+                <a:r>
+                  <a:rPr lang="en-AU" sz="1150" b="1" dirty="0">
+                    <a:solidFill>
+                      <a:srgbClr val="2D2015"/>
+                    </a:solidFill>
+                    <a:latin typeface="Arial"/>
+                    <a:cs typeface="Arial"/>
+                  </a:rPr>
+                  <a:t>(a)</a:t>
+                </a:r>
+              </a:p>
+              <a:p>
+                <a:pPr algn="ctr" defTabSz="1051718" fontAlgn="base">
+                  <a:spcBef>
+                    <a:spcPct val="0"/>
+                  </a:spcBef>
+                  <a:spcAft>
+                    <a:spcPct val="0"/>
+                  </a:spcAft>
+                </a:pPr>
+                <a:endParaRPr lang="en-AU" sz="1150" b="1" dirty="0">
+                  <a:solidFill>
+                    <a:srgbClr val="2D2015"/>
+                  </a:solidFill>
+                  <a:latin typeface="Arial"/>
+                  <a:cs typeface="Arial"/>
+                </a:endParaRPr>
+              </a:p>
+              <a:p>
+                <a:pPr algn="ctr" defTabSz="1051718" fontAlgn="base">
+                  <a:spcBef>
+                    <a:spcPct val="0"/>
+                  </a:spcBef>
+                  <a:spcAft>
+                    <a:spcPct val="0"/>
+                  </a:spcAft>
+                </a:pPr>
+                <a:endParaRPr lang="en-AU" sz="1150" b="1" dirty="0">
+                  <a:solidFill>
+                    <a:srgbClr val="2D2015"/>
+                  </a:solidFill>
+                  <a:latin typeface="Arial"/>
+                  <a:cs typeface="Arial"/>
+                </a:endParaRPr>
+              </a:p>
+              <a:p>
+                <a:pPr algn="ctr" defTabSz="1051718" fontAlgn="base">
+                  <a:spcBef>
+                    <a:spcPct val="0"/>
+                  </a:spcBef>
+                  <a:spcAft>
+                    <a:spcPct val="0"/>
+                  </a:spcAft>
+                </a:pPr>
+                <a:endParaRPr lang="en-AU" sz="1150" b="1" dirty="0">
+                  <a:solidFill>
+                    <a:srgbClr val="2D2015"/>
+                  </a:solidFill>
+                  <a:latin typeface="Arial"/>
+                  <a:cs typeface="Arial"/>
+                </a:endParaRPr>
+              </a:p>
+              <a:p>
+                <a:pPr algn="ctr" defTabSz="1051718" fontAlgn="base">
+                  <a:spcBef>
+                    <a:spcPct val="0"/>
+                  </a:spcBef>
+                  <a:spcAft>
+                    <a:spcPct val="0"/>
+                  </a:spcAft>
+                </a:pPr>
+                <a:endParaRPr lang="en-AU" sz="1150" b="1" dirty="0">
+                  <a:solidFill>
+                    <a:srgbClr val="2D2015"/>
+                  </a:solidFill>
+                  <a:latin typeface="Arial"/>
+                  <a:cs typeface="Arial"/>
+                </a:endParaRPr>
+              </a:p>
+            </p:txBody>
+          </p:sp>
+          <p:pic>
+            <p:nvPicPr>
+              <p:cNvPr id="128" name="Picture 127">
+                <a:extLst>
+                  <a:ext uri="{FF2B5EF4-FFF2-40B4-BE49-F238E27FC236}">
+                    <a16:creationId xmlns:a16="http://schemas.microsoft.com/office/drawing/2014/main" id="{9EE5B2F7-BF1E-9AA1-6C2D-8A5A5330F9BE}"/>
+                  </a:ext>
+                </a:extLst>
+              </p:cNvPr>
+              <p:cNvPicPr>
+                <a:picLocks noChangeAspect="1"/>
+              </p:cNvPicPr>
+              <p:nvPr/>
+            </p:nvPicPr>
+            <p:blipFill>
+              <a:blip r:embed="rId2">
+                <a:extLst>
+                  <a:ext uri="{28A0092B-C50C-407E-A947-70E740481C1C}">
+                    <a14:useLocalDpi xmlns:a14="http://schemas.microsoft.com/office/drawing/2010/main" val="0"/>
+                  </a:ext>
+                </a:extLst>
+              </a:blip>
+              <a:stretch>
+                <a:fillRect/>
+              </a:stretch>
+            </p:blipFill>
+            <p:spPr>
+              <a:xfrm>
+                <a:off x="2197067" y="181322"/>
+                <a:ext cx="649376" cy="756752"/>
+              </a:xfrm>
+              <a:prstGeom prst="rect">
+                <a:avLst/>
+              </a:prstGeom>
+              <a:noFill/>
+              <a:effectLst>
+                <a:outerShdw blurRad="50800" dist="38100" dir="8100000" algn="tr" rotWithShape="0">
+                  <a:prstClr val="black">
+                    <a:alpha val="40000"/>
+                  </a:prstClr>
+                </a:outerShdw>
+              </a:effectLst>
+            </p:spPr>
+          </p:pic>
+        </p:grpSp>
         <p:grpSp>
           <p:nvGrpSpPr>
             <p:cNvPr id="23" name="Group 22">
@@ -9728,12 +9710,19 @@
           </p:nvGrpSpPr>
           <p:grpSpPr>
             <a:xfrm>
-              <a:off x="543834" y="1889361"/>
+              <a:off x="617439" y="1265868"/>
               <a:ext cx="3963907" cy="1832558"/>
               <a:chOff x="1093563" y="1622455"/>
               <a:chExt cx="3963907" cy="1832558"/>
             </a:xfrm>
-            <a:grpFill/>
+            <a:noFill/>
+            <a:effectLst>
+              <a:outerShdw blurRad="50800" dist="38100" dir="8100000" algn="tr" rotWithShape="0">
+                <a:prstClr val="black">
+                  <a:alpha val="40000"/>
+                </a:prstClr>
+              </a:outerShdw>
+            </a:effectLst>
           </p:grpSpPr>
           <p:pic>
             <p:nvPicPr>
@@ -9741,6 +9730,50 @@
                 <a:extLst>
                   <a:ext uri="{FF2B5EF4-FFF2-40B4-BE49-F238E27FC236}">
                     <a16:creationId xmlns:a16="http://schemas.microsoft.com/office/drawing/2014/main" id="{99439298-AA02-2EDC-6512-9E4928E64D2D}"/>
+                  </a:ext>
+                </a:extLst>
+              </p:cNvPr>
+              <p:cNvPicPr>
+                <a:picLocks noChangeAspect="1"/>
+              </p:cNvPicPr>
+              <p:nvPr/>
+            </p:nvPicPr>
+            <p:blipFill>
+              <a:blip r:embed="rId3">
+                <a:extLst>
+                  <a:ext uri="{28A0092B-C50C-407E-A947-70E740481C1C}">
+                    <a14:useLocalDpi xmlns:a14="http://schemas.microsoft.com/office/drawing/2010/main" val="0"/>
+                  </a:ext>
+                </a:extLst>
+              </a:blip>
+              <a:stretch>
+                <a:fillRect/>
+              </a:stretch>
+            </p:blipFill>
+            <p:spPr>
+              <a:xfrm>
+                <a:off x="1093563" y="1624671"/>
+                <a:ext cx="688421" cy="854204"/>
+              </a:xfrm>
+              <a:prstGeom prst="rect">
+                <a:avLst/>
+              </a:prstGeom>
+              <a:grpFill/>
+              <a:effectLst>
+                <a:outerShdw blurRad="50800" dist="38100" dir="8100000" algn="tr" rotWithShape="0">
+                  <a:prstClr val="black">
+                    <a:alpha val="40000"/>
+                  </a:prstClr>
+                </a:outerShdw>
+              </a:effectLst>
+            </p:spPr>
+          </p:pic>
+          <p:pic>
+            <p:nvPicPr>
+              <p:cNvPr id="12" name="Picture 11">
+                <a:extLst>
+                  <a:ext uri="{FF2B5EF4-FFF2-40B4-BE49-F238E27FC236}">
+                    <a16:creationId xmlns:a16="http://schemas.microsoft.com/office/drawing/2014/main" id="{A7B2D511-75A1-28C9-4F4E-DAC9CA6080FF}"/>
                   </a:ext>
                 </a:extLst>
               </p:cNvPr>
@@ -9763,21 +9796,28 @@
             </p:blipFill>
             <p:spPr>
               <a:xfrm>
-                <a:off x="1093563" y="1624671"/>
-                <a:ext cx="688421" cy="854204"/>
+                <a:off x="1923673" y="1633694"/>
+                <a:ext cx="699662" cy="857015"/>
               </a:xfrm>
               <a:prstGeom prst="rect">
                 <a:avLst/>
               </a:prstGeom>
               <a:grpFill/>
+              <a:effectLst>
+                <a:outerShdw blurRad="50800" dist="38100" dir="8100000" algn="tr" rotWithShape="0">
+                  <a:prstClr val="black">
+                    <a:alpha val="40000"/>
+                  </a:prstClr>
+                </a:outerShdw>
+              </a:effectLst>
             </p:spPr>
           </p:pic>
           <p:pic>
             <p:nvPicPr>
-              <p:cNvPr id="12" name="Picture 11">
+              <p:cNvPr id="13" name="Picture 12">
                 <a:extLst>
                   <a:ext uri="{FF2B5EF4-FFF2-40B4-BE49-F238E27FC236}">
-                    <a16:creationId xmlns:a16="http://schemas.microsoft.com/office/drawing/2014/main" id="{A7B2D511-75A1-28C9-4F4E-DAC9CA6080FF}"/>
+                    <a16:creationId xmlns:a16="http://schemas.microsoft.com/office/drawing/2014/main" id="{E6BC48AD-AFB6-1838-A001-8618056898A8}"/>
                   </a:ext>
                 </a:extLst>
               </p:cNvPr>
@@ -9800,21 +9840,28 @@
             </p:blipFill>
             <p:spPr>
               <a:xfrm>
-                <a:off x="1923673" y="1633694"/>
-                <a:ext cx="699662" cy="857015"/>
+                <a:off x="2765024" y="1633694"/>
+                <a:ext cx="674372" cy="834536"/>
               </a:xfrm>
               <a:prstGeom prst="rect">
                 <a:avLst/>
               </a:prstGeom>
               <a:grpFill/>
+              <a:effectLst>
+                <a:outerShdw blurRad="50800" dist="38100" dir="8100000" algn="tr" rotWithShape="0">
+                  <a:prstClr val="black">
+                    <a:alpha val="40000"/>
+                  </a:prstClr>
+                </a:outerShdw>
+              </a:effectLst>
             </p:spPr>
           </p:pic>
           <p:pic>
             <p:nvPicPr>
-              <p:cNvPr id="13" name="Picture 12">
+              <p:cNvPr id="14" name="Picture 13">
                 <a:extLst>
                   <a:ext uri="{FF2B5EF4-FFF2-40B4-BE49-F238E27FC236}">
-                    <a16:creationId xmlns:a16="http://schemas.microsoft.com/office/drawing/2014/main" id="{E6BC48AD-AFB6-1838-A001-8618056898A8}"/>
+                    <a16:creationId xmlns:a16="http://schemas.microsoft.com/office/drawing/2014/main" id="{F8916797-C3D5-C2A6-3482-F6B5AC63BACA}"/>
                   </a:ext>
                 </a:extLst>
               </p:cNvPr>
@@ -9837,21 +9884,28 @@
             </p:blipFill>
             <p:spPr>
               <a:xfrm>
-                <a:off x="2765024" y="1633694"/>
-                <a:ext cx="674372" cy="834536"/>
+                <a:off x="3581085" y="1622455"/>
+                <a:ext cx="668753" cy="823297"/>
               </a:xfrm>
               <a:prstGeom prst="rect">
                 <a:avLst/>
               </a:prstGeom>
               <a:grpFill/>
+              <a:effectLst>
+                <a:outerShdw blurRad="50800" dist="38100" dir="8100000" algn="tr" rotWithShape="0">
+                  <a:prstClr val="black">
+                    <a:alpha val="40000"/>
+                  </a:prstClr>
+                </a:outerShdw>
+              </a:effectLst>
             </p:spPr>
           </p:pic>
           <p:pic>
             <p:nvPicPr>
-              <p:cNvPr id="14" name="Picture 13">
+              <p:cNvPr id="15" name="Picture 14">
                 <a:extLst>
                   <a:ext uri="{FF2B5EF4-FFF2-40B4-BE49-F238E27FC236}">
-                    <a16:creationId xmlns:a16="http://schemas.microsoft.com/office/drawing/2014/main" id="{F8916797-C3D5-C2A6-3482-F6B5AC63BACA}"/>
+                    <a16:creationId xmlns:a16="http://schemas.microsoft.com/office/drawing/2014/main" id="{C4E193DF-AC72-A1B2-68C2-74E0B6DB1E36}"/>
                   </a:ext>
                 </a:extLst>
               </p:cNvPr>
@@ -9874,21 +9928,28 @@
             </p:blipFill>
             <p:spPr>
               <a:xfrm>
-                <a:off x="3581085" y="1622455"/>
-                <a:ext cx="668753" cy="823297"/>
+                <a:off x="4391527" y="1622455"/>
+                <a:ext cx="665943" cy="814867"/>
               </a:xfrm>
               <a:prstGeom prst="rect">
                 <a:avLst/>
               </a:prstGeom>
               <a:grpFill/>
+              <a:effectLst>
+                <a:outerShdw blurRad="50800" dist="38100" dir="8100000" algn="tr" rotWithShape="0">
+                  <a:prstClr val="black">
+                    <a:alpha val="40000"/>
+                  </a:prstClr>
+                </a:outerShdw>
+              </a:effectLst>
             </p:spPr>
           </p:pic>
           <p:pic>
             <p:nvPicPr>
-              <p:cNvPr id="15" name="Picture 14">
+              <p:cNvPr id="16" name="Picture 15">
                 <a:extLst>
                   <a:ext uri="{FF2B5EF4-FFF2-40B4-BE49-F238E27FC236}">
-                    <a16:creationId xmlns:a16="http://schemas.microsoft.com/office/drawing/2014/main" id="{C4E193DF-AC72-A1B2-68C2-74E0B6DB1E36}"/>
+                    <a16:creationId xmlns:a16="http://schemas.microsoft.com/office/drawing/2014/main" id="{6CBC4E74-D563-93B6-F7FF-8B1032BF5B3B}"/>
                   </a:ext>
                 </a:extLst>
               </p:cNvPr>
@@ -9911,21 +9972,28 @@
             </p:blipFill>
             <p:spPr>
               <a:xfrm>
-                <a:off x="4391527" y="1622455"/>
-                <a:ext cx="665943" cy="814867"/>
+                <a:off x="1144144" y="2634526"/>
+                <a:ext cx="668754" cy="820487"/>
               </a:xfrm>
               <a:prstGeom prst="rect">
                 <a:avLst/>
               </a:prstGeom>
               <a:grpFill/>
+              <a:effectLst>
+                <a:outerShdw blurRad="50800" dist="38100" dir="8100000" algn="tr" rotWithShape="0">
+                  <a:prstClr val="black">
+                    <a:alpha val="40000"/>
+                  </a:prstClr>
+                </a:outerShdw>
+              </a:effectLst>
             </p:spPr>
           </p:pic>
           <p:pic>
             <p:nvPicPr>
-              <p:cNvPr id="16" name="Picture 15">
+              <p:cNvPr id="17" name="Picture 16">
                 <a:extLst>
                   <a:ext uri="{FF2B5EF4-FFF2-40B4-BE49-F238E27FC236}">
-                    <a16:creationId xmlns:a16="http://schemas.microsoft.com/office/drawing/2014/main" id="{6CBC4E74-D563-93B6-F7FF-8B1032BF5B3B}"/>
+                    <a16:creationId xmlns:a16="http://schemas.microsoft.com/office/drawing/2014/main" id="{63C46068-F78A-1020-22E7-9342E56E9A53}"/>
                   </a:ext>
                 </a:extLst>
               </p:cNvPr>
@@ -9948,21 +10016,28 @@
             </p:blipFill>
             <p:spPr>
               <a:xfrm>
-                <a:off x="1144144" y="2634526"/>
-                <a:ext cx="668754" cy="820487"/>
+                <a:off x="1960204" y="2630183"/>
+                <a:ext cx="660323" cy="786768"/>
               </a:xfrm>
               <a:prstGeom prst="rect">
                 <a:avLst/>
               </a:prstGeom>
               <a:grpFill/>
+              <a:effectLst>
+                <a:outerShdw blurRad="50800" dist="38100" dir="8100000" algn="tr" rotWithShape="0">
+                  <a:prstClr val="black">
+                    <a:alpha val="40000"/>
+                  </a:prstClr>
+                </a:outerShdw>
+              </a:effectLst>
             </p:spPr>
           </p:pic>
           <p:pic>
             <p:nvPicPr>
-              <p:cNvPr id="17" name="Picture 16">
+              <p:cNvPr id="18" name="Picture 17">
                 <a:extLst>
                   <a:ext uri="{FF2B5EF4-FFF2-40B4-BE49-F238E27FC236}">
-                    <a16:creationId xmlns:a16="http://schemas.microsoft.com/office/drawing/2014/main" id="{63C46068-F78A-1020-22E7-9342E56E9A53}"/>
+                    <a16:creationId xmlns:a16="http://schemas.microsoft.com/office/drawing/2014/main" id="{13390A14-B4FE-CEBB-E9E9-B92BAFA54CF5}"/>
                   </a:ext>
                 </a:extLst>
               </p:cNvPr>
@@ -9985,21 +10060,28 @@
             </p:blipFill>
             <p:spPr>
               <a:xfrm>
-                <a:off x="1960204" y="2630183"/>
-                <a:ext cx="660323" cy="786768"/>
+                <a:off x="2784690" y="2634526"/>
+                <a:ext cx="654704" cy="795198"/>
               </a:xfrm>
               <a:prstGeom prst="rect">
                 <a:avLst/>
               </a:prstGeom>
               <a:grpFill/>
+              <a:effectLst>
+                <a:outerShdw blurRad="50800" dist="38100" dir="8100000" algn="tr" rotWithShape="0">
+                  <a:prstClr val="black">
+                    <a:alpha val="40000"/>
+                  </a:prstClr>
+                </a:outerShdw>
+              </a:effectLst>
             </p:spPr>
           </p:pic>
           <p:pic>
             <p:nvPicPr>
-              <p:cNvPr id="18" name="Picture 17">
+              <p:cNvPr id="19" name="Picture 18">
                 <a:extLst>
                   <a:ext uri="{FF2B5EF4-FFF2-40B4-BE49-F238E27FC236}">
-                    <a16:creationId xmlns:a16="http://schemas.microsoft.com/office/drawing/2014/main" id="{13390A14-B4FE-CEBB-E9E9-B92BAFA54CF5}"/>
+                    <a16:creationId xmlns:a16="http://schemas.microsoft.com/office/drawing/2014/main" id="{A33E14C1-2B65-3EAE-9326-20D87CA62CF8}"/>
                   </a:ext>
                 </a:extLst>
               </p:cNvPr>
@@ -10022,21 +10104,28 @@
             </p:blipFill>
             <p:spPr>
               <a:xfrm>
-                <a:off x="2784690" y="2634526"/>
-                <a:ext cx="654704" cy="795198"/>
+                <a:off x="3583894" y="2618943"/>
+                <a:ext cx="663133" cy="798008"/>
               </a:xfrm>
               <a:prstGeom prst="rect">
                 <a:avLst/>
               </a:prstGeom>
               <a:grpFill/>
+              <a:effectLst>
+                <a:outerShdw blurRad="50800" dist="38100" dir="8100000" algn="tr" rotWithShape="0">
+                  <a:prstClr val="black">
+                    <a:alpha val="40000"/>
+                  </a:prstClr>
+                </a:outerShdw>
+              </a:effectLst>
             </p:spPr>
           </p:pic>
           <p:pic>
             <p:nvPicPr>
-              <p:cNvPr id="19" name="Picture 18">
+              <p:cNvPr id="20" name="Picture 19">
                 <a:extLst>
                   <a:ext uri="{FF2B5EF4-FFF2-40B4-BE49-F238E27FC236}">
-                    <a16:creationId xmlns:a16="http://schemas.microsoft.com/office/drawing/2014/main" id="{A33E14C1-2B65-3EAE-9326-20D87CA62CF8}"/>
+                    <a16:creationId xmlns:a16="http://schemas.microsoft.com/office/drawing/2014/main" id="{E1995FAE-5759-31B6-8E1D-A0C4062CB706}"/>
                   </a:ext>
                 </a:extLst>
               </p:cNvPr>
@@ -10059,43 +10148,6 @@
             </p:blipFill>
             <p:spPr>
               <a:xfrm>
-                <a:off x="3583894" y="2618943"/>
-                <a:ext cx="663133" cy="798008"/>
-              </a:xfrm>
-              <a:prstGeom prst="rect">
-                <a:avLst/>
-              </a:prstGeom>
-              <a:grpFill/>
-            </p:spPr>
-          </p:pic>
-          <p:pic>
-            <p:nvPicPr>
-              <p:cNvPr id="20" name="Picture 19">
-                <a:extLst>
-                  <a:ext uri="{FF2B5EF4-FFF2-40B4-BE49-F238E27FC236}">
-                    <a16:creationId xmlns:a16="http://schemas.microsoft.com/office/drawing/2014/main" id="{E1995FAE-5759-31B6-8E1D-A0C4062CB706}"/>
-                  </a:ext>
-                </a:extLst>
-              </p:cNvPr>
-              <p:cNvPicPr>
-                <a:picLocks noChangeAspect="1"/>
-              </p:cNvPicPr>
-              <p:nvPr/>
-            </p:nvPicPr>
-            <p:blipFill>
-              <a:blip r:embed="rId13">
-                <a:extLst>
-                  <a:ext uri="{28A0092B-C50C-407E-A947-70E740481C1C}">
-                    <a14:useLocalDpi xmlns:a14="http://schemas.microsoft.com/office/drawing/2010/main" val="0"/>
-                  </a:ext>
-                </a:extLst>
-              </a:blip>
-              <a:stretch>
-                <a:fillRect/>
-              </a:stretch>
-            </p:blipFill>
-            <p:spPr>
-              <a:xfrm>
                 <a:off x="4391527" y="2627877"/>
                 <a:ext cx="660323" cy="792387"/>
               </a:xfrm>
@@ -10103,103 +10155,55 @@
                 <a:avLst/>
               </a:prstGeom>
               <a:grpFill/>
+              <a:effectLst>
+                <a:outerShdw blurRad="50800" dist="38100" dir="8100000" algn="tr" rotWithShape="0">
+                  <a:prstClr val="black">
+                    <a:alpha val="40000"/>
+                  </a:prstClr>
+                </a:outerShdw>
+              </a:effectLst>
             </p:spPr>
           </p:pic>
         </p:grpSp>
-        <p:cxnSp>
-          <p:nvCxnSpPr>
-            <p:cNvPr id="25" name="Straight Arrow Connector 24">
+        <p:pic>
+          <p:nvPicPr>
+            <p:cNvPr id="10" name="Picture 9">
               <a:extLst>
                 <a:ext uri="{FF2B5EF4-FFF2-40B4-BE49-F238E27FC236}">
-                  <a16:creationId xmlns:a16="http://schemas.microsoft.com/office/drawing/2014/main" id="{2E7A8B60-ABA2-BA36-DC0A-ECC951CCA08A}"/>
+                  <a16:creationId xmlns:a16="http://schemas.microsoft.com/office/drawing/2014/main" id="{77302A85-D410-45AF-C4FA-9E3446699C10}"/>
                 </a:ext>
               </a:extLst>
             </p:cNvPr>
-            <p:cNvCxnSpPr>
-              <a:cxnSpLocks/>
-              <a:stCxn id="21" idx="2"/>
-              <a:endCxn id="22" idx="0"/>
-            </p:cNvCxnSpPr>
+            <p:cNvPicPr>
+              <a:picLocks noChangeAspect="1"/>
+            </p:cNvPicPr>
             <p:nvPr/>
-          </p:nvCxnSpPr>
+          </p:nvPicPr>
+          <p:blipFill>
+            <a:blip r:embed="rId13">
+              <a:extLst>
+                <a:ext uri="{28A0092B-C50C-407E-A947-70E740481C1C}">
+                  <a14:useLocalDpi xmlns:a14="http://schemas.microsoft.com/office/drawing/2010/main" val="0"/>
+                </a:ext>
+              </a:extLst>
+            </a:blip>
+            <a:stretch>
+              <a:fillRect/>
+            </a:stretch>
+          </p:blipFill>
           <p:spPr>
             <a:xfrm>
-              <a:off x="2529973" y="1266378"/>
-              <a:ext cx="3074" cy="322699"/>
+              <a:off x="879100" y="3401269"/>
+              <a:ext cx="3105918" cy="2191516"/>
             </a:xfrm>
-            <a:prstGeom prst="straightConnector1">
+            <a:prstGeom prst="rect">
               <a:avLst/>
             </a:prstGeom>
-            <a:grpFill/>
-            <a:ln>
-              <a:solidFill>
-                <a:srgbClr val="000000"/>
-              </a:solidFill>
-              <a:tailEnd type="triangle"/>
-            </a:ln>
+            <a:solidFill>
+              <a:schemeClr val="tx1"/>
+            </a:solidFill>
           </p:spPr>
-          <p:style>
-            <a:lnRef idx="1">
-              <a:schemeClr val="accent1"/>
-            </a:lnRef>
-            <a:fillRef idx="0">
-              <a:schemeClr val="accent1"/>
-            </a:fillRef>
-            <a:effectRef idx="0">
-              <a:schemeClr val="accent1"/>
-            </a:effectRef>
-            <a:fontRef idx="minor">
-              <a:schemeClr val="tx1"/>
-            </a:fontRef>
-          </p:style>
-        </p:cxnSp>
-        <p:cxnSp>
-          <p:nvCxnSpPr>
-            <p:cNvPr id="28" name="Straight Arrow Connector 27">
-              <a:extLst>
-                <a:ext uri="{FF2B5EF4-FFF2-40B4-BE49-F238E27FC236}">
-                  <a16:creationId xmlns:a16="http://schemas.microsoft.com/office/drawing/2014/main" id="{BE4458C6-3956-7C0B-B054-18A85037FEAA}"/>
-                </a:ext>
-              </a:extLst>
-            </p:cNvPr>
-            <p:cNvCxnSpPr>
-              <a:cxnSpLocks/>
-              <a:stCxn id="22" idx="2"/>
-              <a:endCxn id="24" idx="0"/>
-            </p:cNvCxnSpPr>
-            <p:nvPr/>
-          </p:nvCxnSpPr>
-          <p:spPr>
-            <a:xfrm flipH="1">
-              <a:off x="2525784" y="3773375"/>
-              <a:ext cx="7263" cy="322699"/>
-            </a:xfrm>
-            <a:prstGeom prst="straightConnector1">
-              <a:avLst/>
-            </a:prstGeom>
-            <a:grpFill/>
-            <a:ln>
-              <a:solidFill>
-                <a:srgbClr val="000000"/>
-              </a:solidFill>
-              <a:tailEnd type="triangle"/>
-            </a:ln>
-          </p:spPr>
-          <p:style>
-            <a:lnRef idx="1">
-              <a:schemeClr val="accent1"/>
-            </a:lnRef>
-            <a:fillRef idx="0">
-              <a:schemeClr val="accent1"/>
-            </a:fillRef>
-            <a:effectRef idx="0">
-              <a:schemeClr val="accent1"/>
-            </a:effectRef>
-            <a:fontRef idx="minor">
-              <a:schemeClr val="tx1"/>
-            </a:fontRef>
-          </p:style>
-        </p:cxnSp>
+        </p:pic>
         <p:sp>
           <p:nvSpPr>
             <p:cNvPr id="24" name="Rectangle: Rounded Corners 23">
@@ -10214,12 +10218,12 @@
           </p:nvSpPr>
           <p:spPr>
             <a:xfrm>
-              <a:off x="801462" y="4096074"/>
-              <a:ext cx="3448643" cy="2502178"/>
+              <a:off x="232668" y="3369284"/>
+              <a:ext cx="4756034" cy="2191516"/>
             </a:xfrm>
             <a:prstGeom prst="roundRect">
               <a:avLst>
-                <a:gd name="adj" fmla="val 0"/>
+                <a:gd name="adj" fmla="val 19480"/>
               </a:avLst>
             </a:prstGeom>
             <a:noFill/>
@@ -10249,7 +10253,7 @@
             <a:bodyPr rtlCol="0" anchor="ctr"/>
             <a:lstStyle/>
             <a:p>
-              <a:pPr algn="ctr" defTabSz="1051718" fontAlgn="base">
+              <a:pPr defTabSz="1051718" fontAlgn="base">
                 <a:spcBef>
                   <a:spcPct val="0"/>
                 </a:spcBef>
@@ -10265,42 +10269,8 @@
                   <a:latin typeface="Arial"/>
                   <a:cs typeface="Arial"/>
                 </a:rPr>
-                <a:t>Fit linear regression</a:t>
+                <a:t>(c)</a:t>
               </a:r>
-            </a:p>
-            <a:p>
-              <a:pPr algn="ctr" defTabSz="1051718" fontAlgn="base">
-                <a:spcBef>
-                  <a:spcPct val="0"/>
-                </a:spcBef>
-                <a:spcAft>
-                  <a:spcPct val="0"/>
-                </a:spcAft>
-              </a:pPr>
-              <a:endParaRPr lang="en-AU" sz="1150" b="1" dirty="0">
-                <a:solidFill>
-                  <a:srgbClr val="2D2015"/>
-                </a:solidFill>
-                <a:latin typeface="Arial"/>
-                <a:cs typeface="Arial"/>
-              </a:endParaRPr>
-            </a:p>
-            <a:p>
-              <a:pPr algn="ctr" defTabSz="1051718" fontAlgn="base">
-                <a:spcBef>
-                  <a:spcPct val="0"/>
-                </a:spcBef>
-                <a:spcAft>
-                  <a:spcPct val="0"/>
-                </a:spcAft>
-              </a:pPr>
-              <a:endParaRPr lang="en-AU" sz="1150" b="1" dirty="0">
-                <a:solidFill>
-                  <a:srgbClr val="2D2015"/>
-                </a:solidFill>
-                <a:latin typeface="Arial"/>
-                <a:cs typeface="Arial"/>
-              </a:endParaRPr>
             </a:p>
             <a:p>
               <a:pPr algn="ctr" defTabSz="1051718" fontAlgn="base">
@@ -10489,6 +10459,711 @@
 </file>
 
 <file path=ppt/slides/slide4.xml><?xml version="1.0" encoding="utf-8"?>
+<p:sld xmlns:a="http://schemas.openxmlformats.org/drawingml/2006/main" xmlns:r="http://schemas.openxmlformats.org/officeDocument/2006/relationships" xmlns:p="http://schemas.openxmlformats.org/presentationml/2006/main" showMasterSp="0">
+  <p:cSld>
+    <p:bg>
+      <p:bgPr>
+        <a:solidFill>
+          <a:schemeClr val="tx1"/>
+        </a:solidFill>
+        <a:effectLst/>
+      </p:bgPr>
+    </p:bg>
+    <p:spTree>
+      <p:nvGrpSpPr>
+        <p:cNvPr id="1" name=""/>
+        <p:cNvGrpSpPr/>
+        <p:nvPr/>
+      </p:nvGrpSpPr>
+      <p:grpSpPr>
+        <a:xfrm>
+          <a:off x="0" y="0"/>
+          <a:ext cx="0" cy="0"/>
+          <a:chOff x="0" y="0"/>
+          <a:chExt cx="0" cy="0"/>
+        </a:xfrm>
+      </p:grpSpPr>
+      <p:pic>
+        <p:nvPicPr>
+          <p:cNvPr id="34" name="Picture 33">
+            <a:extLst>
+              <a:ext uri="{FF2B5EF4-FFF2-40B4-BE49-F238E27FC236}">
+                <a16:creationId xmlns:a16="http://schemas.microsoft.com/office/drawing/2014/main" id="{C0DE96B8-0EA6-27AD-C7AD-C9B149EBB6B8}"/>
+              </a:ext>
+            </a:extLst>
+          </p:cNvPr>
+          <p:cNvPicPr>
+            <a:picLocks noChangeAspect="1"/>
+          </p:cNvPicPr>
+          <p:nvPr/>
+        </p:nvPicPr>
+        <p:blipFill>
+          <a:blip r:embed="rId2">
+            <a:extLst>
+              <a:ext uri="{28A0092B-C50C-407E-A947-70E740481C1C}">
+                <a14:useLocalDpi xmlns:a14="http://schemas.microsoft.com/office/drawing/2010/main" val="0"/>
+              </a:ext>
+            </a:extLst>
+          </a:blip>
+          <a:stretch>
+            <a:fillRect/>
+          </a:stretch>
+        </p:blipFill>
+        <p:spPr>
+          <a:xfrm>
+            <a:off x="4873860" y="1247902"/>
+            <a:ext cx="3105918" cy="2191516"/>
+          </a:xfrm>
+          <a:prstGeom prst="rect">
+            <a:avLst/>
+          </a:prstGeom>
+          <a:solidFill>
+            <a:schemeClr val="tx1"/>
+          </a:solidFill>
+        </p:spPr>
+      </p:pic>
+      <p:sp>
+        <p:nvSpPr>
+          <p:cNvPr id="40" name="Oval 39">
+            <a:extLst>
+              <a:ext uri="{FF2B5EF4-FFF2-40B4-BE49-F238E27FC236}">
+                <a16:creationId xmlns:a16="http://schemas.microsoft.com/office/drawing/2014/main" id="{C5A96661-F2AE-41C3-5E70-59A3D9633512}"/>
+              </a:ext>
+            </a:extLst>
+          </p:cNvPr>
+          <p:cNvSpPr/>
+          <p:nvPr/>
+        </p:nvSpPr>
+        <p:spPr>
+          <a:xfrm>
+            <a:off x="2531255" y="3291598"/>
+            <a:ext cx="5448523" cy="2871639"/>
+          </a:xfrm>
+          <a:prstGeom prst="ellipse">
+            <a:avLst/>
+          </a:prstGeom>
+          <a:solidFill>
+            <a:srgbClr val="303F9F"/>
+          </a:solidFill>
+          <a:ln w="12700">
+            <a:solidFill>
+              <a:srgbClr val="B3E5FC"/>
+            </a:solidFill>
+          </a:ln>
+        </p:spPr>
+        <p:style>
+          <a:lnRef idx="2">
+            <a:schemeClr val="dk1">
+              <a:shade val="15000"/>
+            </a:schemeClr>
+          </a:lnRef>
+          <a:fillRef idx="1">
+            <a:schemeClr val="dk1"/>
+          </a:fillRef>
+          <a:effectRef idx="0">
+            <a:schemeClr val="dk1"/>
+          </a:effectRef>
+          <a:fontRef idx="minor">
+            <a:schemeClr val="lt1"/>
+          </a:fontRef>
+        </p:style>
+        <p:txBody>
+          <a:bodyPr rtlCol="0" anchor="ctr"/>
+          <a:lstStyle/>
+          <a:p>
+            <a:pPr algn="ctr"/>
+            <a:endParaRPr lang="en-GB" sz="894"/>
+          </a:p>
+        </p:txBody>
+      </p:sp>
+      <p:grpSp>
+        <p:nvGrpSpPr>
+          <p:cNvPr id="3" name="Group 2">
+            <a:extLst>
+              <a:ext uri="{FF2B5EF4-FFF2-40B4-BE49-F238E27FC236}">
+                <a16:creationId xmlns:a16="http://schemas.microsoft.com/office/drawing/2014/main" id="{179CA39D-2D4C-4A61-7ADB-BC7A5D80BCEB}"/>
+              </a:ext>
+            </a:extLst>
+          </p:cNvPr>
+          <p:cNvGrpSpPr/>
+          <p:nvPr/>
+        </p:nvGrpSpPr>
+        <p:grpSpPr>
+          <a:xfrm>
+            <a:off x="3265011" y="3859164"/>
+            <a:ext cx="3963907" cy="1832558"/>
+            <a:chOff x="1093563" y="1622455"/>
+            <a:chExt cx="3963907" cy="1832558"/>
+          </a:xfrm>
+          <a:noFill/>
+          <a:effectLst>
+            <a:outerShdw blurRad="50800" dist="38100" dir="8100000" algn="tr" rotWithShape="0">
+              <a:prstClr val="black">
+                <a:alpha val="40000"/>
+              </a:prstClr>
+            </a:outerShdw>
+          </a:effectLst>
+        </p:grpSpPr>
+        <p:pic>
+          <p:nvPicPr>
+            <p:cNvPr id="5" name="Picture 4">
+              <a:extLst>
+                <a:ext uri="{FF2B5EF4-FFF2-40B4-BE49-F238E27FC236}">
+                  <a16:creationId xmlns:a16="http://schemas.microsoft.com/office/drawing/2014/main" id="{8BC3D13E-2B2B-B474-088D-E230201AFF7B}"/>
+                </a:ext>
+              </a:extLst>
+            </p:cNvPr>
+            <p:cNvPicPr>
+              <a:picLocks noChangeAspect="1"/>
+            </p:cNvPicPr>
+            <p:nvPr/>
+          </p:nvPicPr>
+          <p:blipFill>
+            <a:blip r:embed="rId3">
+              <a:extLst>
+                <a:ext uri="{28A0092B-C50C-407E-A947-70E740481C1C}">
+                  <a14:useLocalDpi xmlns:a14="http://schemas.microsoft.com/office/drawing/2010/main" val="0"/>
+                </a:ext>
+              </a:extLst>
+            </a:blip>
+            <a:stretch>
+              <a:fillRect/>
+            </a:stretch>
+          </p:blipFill>
+          <p:spPr>
+            <a:xfrm>
+              <a:off x="1093563" y="1624671"/>
+              <a:ext cx="688421" cy="854204"/>
+            </a:xfrm>
+            <a:prstGeom prst="rect">
+              <a:avLst/>
+            </a:prstGeom>
+            <a:grpFill/>
+          </p:spPr>
+        </p:pic>
+        <p:pic>
+          <p:nvPicPr>
+            <p:cNvPr id="6" name="Picture 5">
+              <a:extLst>
+                <a:ext uri="{FF2B5EF4-FFF2-40B4-BE49-F238E27FC236}">
+                  <a16:creationId xmlns:a16="http://schemas.microsoft.com/office/drawing/2014/main" id="{8F7EFCAC-15A4-9203-50FA-432C3BAD38BC}"/>
+                </a:ext>
+              </a:extLst>
+            </p:cNvPr>
+            <p:cNvPicPr>
+              <a:picLocks noChangeAspect="1"/>
+            </p:cNvPicPr>
+            <p:nvPr/>
+          </p:nvPicPr>
+          <p:blipFill>
+            <a:blip r:embed="rId4">
+              <a:extLst>
+                <a:ext uri="{28A0092B-C50C-407E-A947-70E740481C1C}">
+                  <a14:useLocalDpi xmlns:a14="http://schemas.microsoft.com/office/drawing/2010/main" val="0"/>
+                </a:ext>
+              </a:extLst>
+            </a:blip>
+            <a:stretch>
+              <a:fillRect/>
+            </a:stretch>
+          </p:blipFill>
+          <p:spPr>
+            <a:xfrm>
+              <a:off x="1923673" y="1633694"/>
+              <a:ext cx="699662" cy="857015"/>
+            </a:xfrm>
+            <a:prstGeom prst="rect">
+              <a:avLst/>
+            </a:prstGeom>
+            <a:grpFill/>
+          </p:spPr>
+        </p:pic>
+        <p:pic>
+          <p:nvPicPr>
+            <p:cNvPr id="7" name="Picture 6">
+              <a:extLst>
+                <a:ext uri="{FF2B5EF4-FFF2-40B4-BE49-F238E27FC236}">
+                  <a16:creationId xmlns:a16="http://schemas.microsoft.com/office/drawing/2014/main" id="{F0EF5CEE-FD3C-8736-C622-D16C4569FB18}"/>
+                </a:ext>
+              </a:extLst>
+            </p:cNvPr>
+            <p:cNvPicPr>
+              <a:picLocks noChangeAspect="1"/>
+            </p:cNvPicPr>
+            <p:nvPr/>
+          </p:nvPicPr>
+          <p:blipFill>
+            <a:blip r:embed="rId5">
+              <a:extLst>
+                <a:ext uri="{28A0092B-C50C-407E-A947-70E740481C1C}">
+                  <a14:useLocalDpi xmlns:a14="http://schemas.microsoft.com/office/drawing/2010/main" val="0"/>
+                </a:ext>
+              </a:extLst>
+            </a:blip>
+            <a:stretch>
+              <a:fillRect/>
+            </a:stretch>
+          </p:blipFill>
+          <p:spPr>
+            <a:xfrm>
+              <a:off x="2765024" y="1633694"/>
+              <a:ext cx="674372" cy="834536"/>
+            </a:xfrm>
+            <a:prstGeom prst="rect">
+              <a:avLst/>
+            </a:prstGeom>
+            <a:grpFill/>
+          </p:spPr>
+        </p:pic>
+        <p:pic>
+          <p:nvPicPr>
+            <p:cNvPr id="8" name="Picture 7">
+              <a:extLst>
+                <a:ext uri="{FF2B5EF4-FFF2-40B4-BE49-F238E27FC236}">
+                  <a16:creationId xmlns:a16="http://schemas.microsoft.com/office/drawing/2014/main" id="{1602D832-D33F-D45F-82BB-E07B69820CED}"/>
+                </a:ext>
+              </a:extLst>
+            </p:cNvPr>
+            <p:cNvPicPr>
+              <a:picLocks noChangeAspect="1"/>
+            </p:cNvPicPr>
+            <p:nvPr/>
+          </p:nvPicPr>
+          <p:blipFill>
+            <a:blip r:embed="rId6">
+              <a:extLst>
+                <a:ext uri="{28A0092B-C50C-407E-A947-70E740481C1C}">
+                  <a14:useLocalDpi xmlns:a14="http://schemas.microsoft.com/office/drawing/2010/main" val="0"/>
+                </a:ext>
+              </a:extLst>
+            </a:blip>
+            <a:stretch>
+              <a:fillRect/>
+            </a:stretch>
+          </p:blipFill>
+          <p:spPr>
+            <a:xfrm>
+              <a:off x="3581085" y="1622455"/>
+              <a:ext cx="668753" cy="823297"/>
+            </a:xfrm>
+            <a:prstGeom prst="rect">
+              <a:avLst/>
+            </a:prstGeom>
+            <a:grpFill/>
+          </p:spPr>
+        </p:pic>
+        <p:pic>
+          <p:nvPicPr>
+            <p:cNvPr id="9" name="Picture 8">
+              <a:extLst>
+                <a:ext uri="{FF2B5EF4-FFF2-40B4-BE49-F238E27FC236}">
+                  <a16:creationId xmlns:a16="http://schemas.microsoft.com/office/drawing/2014/main" id="{B6E9641C-E2D6-020D-7F52-9B6815725B95}"/>
+                </a:ext>
+              </a:extLst>
+            </p:cNvPr>
+            <p:cNvPicPr>
+              <a:picLocks noChangeAspect="1"/>
+            </p:cNvPicPr>
+            <p:nvPr/>
+          </p:nvPicPr>
+          <p:blipFill>
+            <a:blip r:embed="rId7">
+              <a:extLst>
+                <a:ext uri="{28A0092B-C50C-407E-A947-70E740481C1C}">
+                  <a14:useLocalDpi xmlns:a14="http://schemas.microsoft.com/office/drawing/2010/main" val="0"/>
+                </a:ext>
+              </a:extLst>
+            </a:blip>
+            <a:stretch>
+              <a:fillRect/>
+            </a:stretch>
+          </p:blipFill>
+          <p:spPr>
+            <a:xfrm>
+              <a:off x="4391527" y="1622455"/>
+              <a:ext cx="665943" cy="814867"/>
+            </a:xfrm>
+            <a:prstGeom prst="rect">
+              <a:avLst/>
+            </a:prstGeom>
+            <a:grpFill/>
+          </p:spPr>
+        </p:pic>
+        <p:pic>
+          <p:nvPicPr>
+            <p:cNvPr id="26" name="Picture 25">
+              <a:extLst>
+                <a:ext uri="{FF2B5EF4-FFF2-40B4-BE49-F238E27FC236}">
+                  <a16:creationId xmlns:a16="http://schemas.microsoft.com/office/drawing/2014/main" id="{AAE5246C-9D0B-44E7-A233-8B1E2BAD7387}"/>
+                </a:ext>
+              </a:extLst>
+            </p:cNvPr>
+            <p:cNvPicPr>
+              <a:picLocks noChangeAspect="1"/>
+            </p:cNvPicPr>
+            <p:nvPr/>
+          </p:nvPicPr>
+          <p:blipFill>
+            <a:blip r:embed="rId8">
+              <a:extLst>
+                <a:ext uri="{28A0092B-C50C-407E-A947-70E740481C1C}">
+                  <a14:useLocalDpi xmlns:a14="http://schemas.microsoft.com/office/drawing/2010/main" val="0"/>
+                </a:ext>
+              </a:extLst>
+            </a:blip>
+            <a:stretch>
+              <a:fillRect/>
+            </a:stretch>
+          </p:blipFill>
+          <p:spPr>
+            <a:xfrm>
+              <a:off x="1144144" y="2634526"/>
+              <a:ext cx="668754" cy="820487"/>
+            </a:xfrm>
+            <a:prstGeom prst="rect">
+              <a:avLst/>
+            </a:prstGeom>
+            <a:grpFill/>
+          </p:spPr>
+        </p:pic>
+        <p:pic>
+          <p:nvPicPr>
+            <p:cNvPr id="27" name="Picture 26">
+              <a:extLst>
+                <a:ext uri="{FF2B5EF4-FFF2-40B4-BE49-F238E27FC236}">
+                  <a16:creationId xmlns:a16="http://schemas.microsoft.com/office/drawing/2014/main" id="{5ABF166E-917F-D0B3-6318-18871CA3B85A}"/>
+                </a:ext>
+              </a:extLst>
+            </p:cNvPr>
+            <p:cNvPicPr>
+              <a:picLocks noChangeAspect="1"/>
+            </p:cNvPicPr>
+            <p:nvPr/>
+          </p:nvPicPr>
+          <p:blipFill>
+            <a:blip r:embed="rId9">
+              <a:extLst>
+                <a:ext uri="{28A0092B-C50C-407E-A947-70E740481C1C}">
+                  <a14:useLocalDpi xmlns:a14="http://schemas.microsoft.com/office/drawing/2010/main" val="0"/>
+                </a:ext>
+              </a:extLst>
+            </a:blip>
+            <a:stretch>
+              <a:fillRect/>
+            </a:stretch>
+          </p:blipFill>
+          <p:spPr>
+            <a:xfrm>
+              <a:off x="1960204" y="2630183"/>
+              <a:ext cx="660323" cy="786768"/>
+            </a:xfrm>
+            <a:prstGeom prst="rect">
+              <a:avLst/>
+            </a:prstGeom>
+            <a:grpFill/>
+          </p:spPr>
+        </p:pic>
+        <p:pic>
+          <p:nvPicPr>
+            <p:cNvPr id="29" name="Picture 28">
+              <a:extLst>
+                <a:ext uri="{FF2B5EF4-FFF2-40B4-BE49-F238E27FC236}">
+                  <a16:creationId xmlns:a16="http://schemas.microsoft.com/office/drawing/2014/main" id="{6F187EC7-03F8-EB9D-7F28-6B6A05BA6166}"/>
+                </a:ext>
+              </a:extLst>
+            </p:cNvPr>
+            <p:cNvPicPr>
+              <a:picLocks noChangeAspect="1"/>
+            </p:cNvPicPr>
+            <p:nvPr/>
+          </p:nvPicPr>
+          <p:blipFill>
+            <a:blip r:embed="rId10">
+              <a:extLst>
+                <a:ext uri="{28A0092B-C50C-407E-A947-70E740481C1C}">
+                  <a14:useLocalDpi xmlns:a14="http://schemas.microsoft.com/office/drawing/2010/main" val="0"/>
+                </a:ext>
+              </a:extLst>
+            </a:blip>
+            <a:stretch>
+              <a:fillRect/>
+            </a:stretch>
+          </p:blipFill>
+          <p:spPr>
+            <a:xfrm>
+              <a:off x="2784690" y="2634526"/>
+              <a:ext cx="654704" cy="795198"/>
+            </a:xfrm>
+            <a:prstGeom prst="rect">
+              <a:avLst/>
+            </a:prstGeom>
+            <a:grpFill/>
+          </p:spPr>
+        </p:pic>
+        <p:pic>
+          <p:nvPicPr>
+            <p:cNvPr id="30" name="Picture 29">
+              <a:extLst>
+                <a:ext uri="{FF2B5EF4-FFF2-40B4-BE49-F238E27FC236}">
+                  <a16:creationId xmlns:a16="http://schemas.microsoft.com/office/drawing/2014/main" id="{B7C54CE5-93D5-72D1-4922-BC4B33139805}"/>
+                </a:ext>
+              </a:extLst>
+            </p:cNvPr>
+            <p:cNvPicPr>
+              <a:picLocks noChangeAspect="1"/>
+            </p:cNvPicPr>
+            <p:nvPr/>
+          </p:nvPicPr>
+          <p:blipFill>
+            <a:blip r:embed="rId11">
+              <a:extLst>
+                <a:ext uri="{28A0092B-C50C-407E-A947-70E740481C1C}">
+                  <a14:useLocalDpi xmlns:a14="http://schemas.microsoft.com/office/drawing/2010/main" val="0"/>
+                </a:ext>
+              </a:extLst>
+            </a:blip>
+            <a:stretch>
+              <a:fillRect/>
+            </a:stretch>
+          </p:blipFill>
+          <p:spPr>
+            <a:xfrm>
+              <a:off x="3583894" y="2618943"/>
+              <a:ext cx="663133" cy="798008"/>
+            </a:xfrm>
+            <a:prstGeom prst="rect">
+              <a:avLst/>
+            </a:prstGeom>
+            <a:grpFill/>
+          </p:spPr>
+        </p:pic>
+        <p:pic>
+          <p:nvPicPr>
+            <p:cNvPr id="31" name="Picture 30">
+              <a:extLst>
+                <a:ext uri="{FF2B5EF4-FFF2-40B4-BE49-F238E27FC236}">
+                  <a16:creationId xmlns:a16="http://schemas.microsoft.com/office/drawing/2014/main" id="{22E064BE-538D-F91B-5FA9-941EAF4D92E8}"/>
+                </a:ext>
+              </a:extLst>
+            </p:cNvPr>
+            <p:cNvPicPr>
+              <a:picLocks noChangeAspect="1"/>
+            </p:cNvPicPr>
+            <p:nvPr/>
+          </p:nvPicPr>
+          <p:blipFill>
+            <a:blip r:embed="rId12">
+              <a:extLst>
+                <a:ext uri="{28A0092B-C50C-407E-A947-70E740481C1C}">
+                  <a14:useLocalDpi xmlns:a14="http://schemas.microsoft.com/office/drawing/2010/main" val="0"/>
+                </a:ext>
+              </a:extLst>
+            </a:blip>
+            <a:stretch>
+              <a:fillRect/>
+            </a:stretch>
+          </p:blipFill>
+          <p:spPr>
+            <a:xfrm>
+              <a:off x="4391527" y="2627877"/>
+              <a:ext cx="660323" cy="792387"/>
+            </a:xfrm>
+            <a:prstGeom prst="rect">
+              <a:avLst/>
+            </a:prstGeom>
+            <a:grpFill/>
+          </p:spPr>
+        </p:pic>
+      </p:grpSp>
+      <p:sp>
+        <p:nvSpPr>
+          <p:cNvPr id="38" name="Oval 37">
+            <a:extLst>
+              <a:ext uri="{FF2B5EF4-FFF2-40B4-BE49-F238E27FC236}">
+                <a16:creationId xmlns:a16="http://schemas.microsoft.com/office/drawing/2014/main" id="{278E5870-B88F-AC4B-EAB5-7CDC6FB808F2}"/>
+              </a:ext>
+            </a:extLst>
+          </p:cNvPr>
+          <p:cNvSpPr/>
+          <p:nvPr/>
+        </p:nvSpPr>
+        <p:spPr>
+          <a:xfrm>
+            <a:off x="2531255" y="1186171"/>
+            <a:ext cx="1957883" cy="1858854"/>
+          </a:xfrm>
+          <a:prstGeom prst="ellipse">
+            <a:avLst/>
+          </a:prstGeom>
+          <a:solidFill>
+            <a:srgbClr val="BDBDBD"/>
+          </a:solidFill>
+          <a:ln w="12700">
+            <a:solidFill>
+              <a:srgbClr val="F5F5F5"/>
+            </a:solidFill>
+          </a:ln>
+        </p:spPr>
+        <p:style>
+          <a:lnRef idx="2">
+            <a:schemeClr val="dk1">
+              <a:shade val="15000"/>
+            </a:schemeClr>
+          </a:lnRef>
+          <a:fillRef idx="1">
+            <a:schemeClr val="dk1"/>
+          </a:fillRef>
+          <a:effectRef idx="0">
+            <a:schemeClr val="dk1"/>
+          </a:effectRef>
+          <a:fontRef idx="minor">
+            <a:schemeClr val="lt1"/>
+          </a:fontRef>
+        </p:style>
+        <p:txBody>
+          <a:bodyPr rtlCol="0" anchor="ctr"/>
+          <a:lstStyle/>
+          <a:p>
+            <a:pPr algn="ctr"/>
+            <a:endParaRPr lang="en-GB" sz="894"/>
+          </a:p>
+        </p:txBody>
+      </p:sp>
+      <p:pic>
+        <p:nvPicPr>
+          <p:cNvPr id="39" name="Picture 38">
+            <a:extLst>
+              <a:ext uri="{FF2B5EF4-FFF2-40B4-BE49-F238E27FC236}">
+                <a16:creationId xmlns:a16="http://schemas.microsoft.com/office/drawing/2014/main" id="{C7628503-33CC-87B2-A586-4DC7ACF287E2}"/>
+              </a:ext>
+            </a:extLst>
+          </p:cNvPr>
+          <p:cNvPicPr>
+            <a:picLocks noChangeAspect="1"/>
+          </p:cNvPicPr>
+          <p:nvPr/>
+        </p:nvPicPr>
+        <p:blipFill>
+          <a:blip r:embed="rId13">
+            <a:extLst>
+              <a:ext uri="{28A0092B-C50C-407E-A947-70E740481C1C}">
+                <a14:useLocalDpi xmlns:a14="http://schemas.microsoft.com/office/drawing/2010/main" val="0"/>
+              </a:ext>
+            </a:extLst>
+          </a:blip>
+          <a:stretch>
+            <a:fillRect/>
+          </a:stretch>
+        </p:blipFill>
+        <p:spPr>
+          <a:xfrm>
+            <a:off x="2892354" y="1514017"/>
+            <a:ext cx="1221299" cy="1267916"/>
+          </a:xfrm>
+          <a:prstGeom prst="rect">
+            <a:avLst/>
+          </a:prstGeom>
+          <a:effectLst>
+            <a:outerShdw blurRad="50800" dist="38100" dir="13500000" algn="br" rotWithShape="0">
+              <a:prstClr val="black">
+                <a:alpha val="40000"/>
+              </a:prstClr>
+            </a:outerShdw>
+          </a:effectLst>
+        </p:spPr>
+      </p:pic>
+      <p:pic>
+        <p:nvPicPr>
+          <p:cNvPr id="41" name="Graphic 40" descr="Arrow Straight">
+            <a:extLst>
+              <a:ext uri="{FF2B5EF4-FFF2-40B4-BE49-F238E27FC236}">
+                <a16:creationId xmlns:a16="http://schemas.microsoft.com/office/drawing/2014/main" id="{105115FA-F8C0-2F2D-46ED-F7C27962FB9D}"/>
+              </a:ext>
+            </a:extLst>
+          </p:cNvPr>
+          <p:cNvPicPr>
+            <a:picLocks noChangeAspect="1"/>
+          </p:cNvPicPr>
+          <p:nvPr/>
+        </p:nvPicPr>
+        <p:blipFill>
+          <a:blip r:embed="rId14">
+            <a:extLst>
+              <a:ext uri="{28A0092B-C50C-407E-A947-70E740481C1C}">
+                <a14:useLocalDpi xmlns:a14="http://schemas.microsoft.com/office/drawing/2010/main" val="0"/>
+              </a:ext>
+              <a:ext uri="{96DAC541-7B7A-43D3-8B79-37D633B846F1}">
+                <asvg:svgBlip xmlns:asvg="http://schemas.microsoft.com/office/drawing/2016/SVG/main" r:embed="rId15"/>
+              </a:ext>
+            </a:extLst>
+          </a:blip>
+          <a:stretch>
+            <a:fillRect/>
+          </a:stretch>
+        </p:blipFill>
+        <p:spPr>
+          <a:xfrm rot="15008185">
+            <a:off x="3494656" y="2776231"/>
+            <a:ext cx="1055162" cy="892652"/>
+          </a:xfrm>
+          <a:prstGeom prst="rect">
+            <a:avLst/>
+          </a:prstGeom>
+        </p:spPr>
+      </p:pic>
+      <p:pic>
+        <p:nvPicPr>
+          <p:cNvPr id="42" name="Graphic 41" descr="Arrow Straight">
+            <a:extLst>
+              <a:ext uri="{FF2B5EF4-FFF2-40B4-BE49-F238E27FC236}">
+                <a16:creationId xmlns:a16="http://schemas.microsoft.com/office/drawing/2014/main" id="{812C323D-18A3-E465-73DB-4F859B5FBA3B}"/>
+              </a:ext>
+            </a:extLst>
+          </p:cNvPr>
+          <p:cNvPicPr>
+            <a:picLocks noChangeAspect="1"/>
+          </p:cNvPicPr>
+          <p:nvPr/>
+        </p:nvPicPr>
+        <p:blipFill>
+          <a:blip r:embed="rId14">
+            <a:extLst>
+              <a:ext uri="{28A0092B-C50C-407E-A947-70E740481C1C}">
+                <a14:useLocalDpi xmlns:a14="http://schemas.microsoft.com/office/drawing/2010/main" val="0"/>
+              </a:ext>
+              <a:ext uri="{96DAC541-7B7A-43D3-8B79-37D633B846F1}">
+                <asvg:svgBlip xmlns:asvg="http://schemas.microsoft.com/office/drawing/2016/SVG/main" r:embed="rId15"/>
+              </a:ext>
+            </a:extLst>
+          </a:blip>
+          <a:stretch>
+            <a:fillRect/>
+          </a:stretch>
+        </p:blipFill>
+        <p:spPr>
+          <a:xfrm rot="6813454">
+            <a:off x="5844939" y="2750306"/>
+            <a:ext cx="1055162" cy="892652"/>
+          </a:xfrm>
+          <a:prstGeom prst="rect">
+            <a:avLst/>
+          </a:prstGeom>
+        </p:spPr>
+      </p:pic>
+    </p:spTree>
+    <p:extLst>
+      <p:ext uri="{BB962C8B-B14F-4D97-AF65-F5344CB8AC3E}">
+        <p14:creationId xmlns:p14="http://schemas.microsoft.com/office/powerpoint/2010/main" val="2109336699"/>
+      </p:ext>
+    </p:extLst>
+  </p:cSld>
+  <p:clrMapOvr>
+    <a:masterClrMapping/>
+  </p:clrMapOvr>
+</p:sld>
+</file>
+
+<file path=ppt/slides/slide5.xml><?xml version="1.0" encoding="utf-8"?>
 <p:sld xmlns:a="http://schemas.openxmlformats.org/drawingml/2006/main" xmlns:r="http://schemas.openxmlformats.org/officeDocument/2006/relationships" xmlns:p="http://schemas.openxmlformats.org/presentationml/2006/main" showMasterSp="0">
   <p:cSld>
     <p:bg>
@@ -12134,7 +12809,7 @@
 </p:sld>
 </file>
 
-<file path=ppt/slides/slide5.xml><?xml version="1.0" encoding="utf-8"?>
+<file path=ppt/slides/slide6.xml><?xml version="1.0" encoding="utf-8"?>
 <p:sld xmlns:a="http://schemas.openxmlformats.org/drawingml/2006/main" xmlns:r="http://schemas.openxmlformats.org/officeDocument/2006/relationships" xmlns:p="http://schemas.openxmlformats.org/presentationml/2006/main" showMasterSp="0">
   <p:cSld>
     <p:bg>
